--- a/Dijkstra.pptx
+++ b/Dijkstra.pptx
@@ -6555,7 +6555,7 @@
           <p:spPr>
             <a:xfrm>
               <a:off x="2001806" y="3019412"/>
-              <a:ext cx="4564070" cy="2031325"/>
+              <a:ext cx="4551246" cy="2031325"/>
             </a:xfrm>
             <a:prstGeom prst="rect">
               <a:avLst/>
@@ -6651,19 +6651,11 @@
               </a:r>
               <a:r>
                 <a:rPr lang="de-CH" dirty="0"/>
-                <a:t>(</a:t>
+                <a:t>(String: </a:t>
               </a:r>
               <a:r>
                 <a:rPr lang="de-CH" dirty="0" err="1"/>
                 <a:t>node</a:t>
-              </a:r>
-              <a:r>
-                <a:rPr lang="de-CH" dirty="0"/>
-                <a:t> : </a:t>
-              </a:r>
-              <a:r>
-                <a:rPr lang="de-CH" dirty="0" err="1"/>
-                <a:t>Node</a:t>
               </a:r>
               <a:r>
                 <a:rPr lang="de-CH" dirty="0"/>
@@ -6686,13 +6678,8 @@
               </a:r>
               <a:r>
                 <a:rPr lang="de-CH" dirty="0"/>
-                <a:t>(): </a:t>
-              </a:r>
-              <a:r>
-                <a:rPr lang="de-CH" dirty="0" err="1"/>
-                <a:t>Node</a:t>
-              </a:r>
-              <a:endParaRPr lang="de-CH" dirty="0"/>
+                <a:t>(): String</a:t>
+              </a:r>
             </a:p>
             <a:p>
               <a:r>
@@ -6800,7 +6787,7 @@
           <p:spPr>
             <a:xfrm>
               <a:off x="3859194" y="4448172"/>
-              <a:ext cx="6680034" cy="1477328"/>
+              <a:ext cx="6680034" cy="1200329"/>
             </a:xfrm>
             <a:prstGeom prst="rect">
               <a:avLst/>
@@ -6828,25 +6815,7 @@
               </a:r>
               <a:r>
                 <a:rPr lang="de-CH" dirty="0" err="1"/>
-                <a:t>unvisited</a:t>
-              </a:r>
-              <a:r>
-                <a:rPr lang="de-CH" dirty="0"/>
-                <a:t>: List</a:t>
-              </a:r>
-            </a:p>
-            <a:p>
-              <a:pPr>
-                <a:buFontTx/>
-                <a:buChar char="-"/>
-              </a:pPr>
-              <a:r>
-                <a:rPr lang="de-CH" dirty="0"/>
-                <a:t> </a:t>
-              </a:r>
-              <a:r>
-                <a:rPr lang="de-CH" dirty="0" err="1"/>
-                <a:t>currentNode</a:t>
+                <a:t>visitedNodeList</a:t>
               </a:r>
               <a:r>
                 <a:rPr lang="de-CH" dirty="0"/>
@@ -6854,7 +6823,7 @@
               </a:r>
               <a:r>
                 <a:rPr lang="de-CH" dirty="0" err="1"/>
-                <a:t>Node</a:t>
+                <a:t>HashMap</a:t>
               </a:r>
               <a:endParaRPr lang="de-CH" dirty="0"/>
             </a:p>
@@ -6869,7 +6838,7 @@
               </a:r>
               <a:r>
                 <a:rPr lang="de-CH" dirty="0" err="1"/>
-                <a:t>startpoint</a:t>
+                <a:t>currentNode</a:t>
               </a:r>
               <a:r>
                 <a:rPr lang="de-CH" dirty="0"/>
@@ -6892,7 +6861,7 @@
               </a:r>
               <a:r>
                 <a:rPr lang="de-CH" dirty="0" err="1"/>
-                <a:t>endpoint</a:t>
+                <a:t>startpoint</a:t>
               </a:r>
               <a:r>
                 <a:rPr lang="de-CH" dirty="0"/>
@@ -6915,7 +6884,7 @@
               </a:r>
               <a:r>
                 <a:rPr lang="de-CH" dirty="0" err="1"/>
-                <a:t>nodeList</a:t>
+                <a:t>endpoint</a:t>
               </a:r>
               <a:r>
                 <a:rPr lang="de-CH" dirty="0"/>
@@ -6923,7 +6892,7 @@
               </a:r>
               <a:r>
                 <a:rPr lang="de-CH" dirty="0" err="1"/>
-                <a:t>ArrayList</a:t>
+                <a:t>Node</a:t>
               </a:r>
               <a:endParaRPr lang="de-CH" dirty="0"/>
             </a:p>
@@ -7205,13 +7174,8 @@
               </a:r>
               <a:r>
                 <a:rPr lang="de-CH" dirty="0"/>
-                <a:t>: </a:t>
-              </a:r>
-              <a:r>
-                <a:rPr lang="de-CH" dirty="0" err="1"/>
-                <a:t>int</a:t>
-              </a:r>
-              <a:endParaRPr lang="de-CH" dirty="0"/>
+                <a:t>: String</a:t>
+              </a:r>
             </a:p>
           </p:txBody>
         </p:sp>
@@ -7431,14 +7395,14 @@
         </p:nvCxnSpPr>
         <p:spPr>
           <a:xfrm rot="5400000" flipH="1" flipV="1">
-            <a:off x="4874332" y="-765196"/>
-            <a:ext cx="2607995" cy="6309071"/>
+            <a:off x="4871126" y="-768402"/>
+            <a:ext cx="2607995" cy="6315483"/>
           </a:xfrm>
           <a:prstGeom prst="bentConnector5">
             <a:avLst>
-              <a:gd name="adj1" fmla="val -26536"/>
-              <a:gd name="adj2" fmla="val 45722"/>
-              <a:gd name="adj3" fmla="val 123174"/>
+              <a:gd name="adj1" fmla="val -8765"/>
+              <a:gd name="adj2" fmla="val 45676"/>
+              <a:gd name="adj3" fmla="val 108765"/>
             </a:avLst>
           </a:prstGeom>
           <a:ln w="38100">
@@ -7713,10 +7677,15 @@
             <p:ph type="body"/>
           </p:nvPr>
         </p:nvSpPr>
-        <p:spPr/>
+        <p:spPr>
+          <a:xfrm>
+            <a:off x="650160" y="1276400"/>
+            <a:ext cx="12116936" cy="7920880"/>
+          </a:xfrm>
+        </p:spPr>
         <p:txBody>
           <a:bodyPr>
-            <a:normAutofit lnSpcReduction="10000"/>
+            <a:normAutofit/>
           </a:bodyPr>
           <a:lstStyle/>
           <a:p>
@@ -7724,35 +7693,35 @@
           </a:p>
           <a:p>
             <a:r>
-              <a:rPr lang="de-CH" dirty="0"/>
-              <a:t>Tabelle erstellen mit (Knoten besucht, Aktuelle Distanz, Vorgänger)</a:t>
+              <a:rPr lang="de-CH" sz="2500" dirty="0"/>
+              <a:t>- Tabelle erstellen mit (Knoten besucht, Aktuelle Distanz, Vorgänger)</a:t>
             </a:r>
           </a:p>
           <a:p>
             <a:r>
-              <a:rPr lang="de-CH" dirty="0"/>
-              <a:t>Tabelle mit Werten befüllen. </a:t>
+              <a:rPr lang="de-CH" sz="2500" dirty="0"/>
+              <a:t>- Tabelle mit Werten befüllen. </a:t>
             </a:r>
             <a:br>
-              <a:rPr lang="de-CH" dirty="0"/>
+              <a:rPr lang="de-CH" sz="2500" dirty="0"/>
             </a:br>
             <a:r>
-              <a:rPr lang="de-CH" dirty="0"/>
+              <a:rPr lang="de-CH" sz="2500" dirty="0"/>
               <a:t>	</a:t>
             </a:r>
             <a:r>
-              <a:rPr lang="de-CH" dirty="0">
+              <a:rPr lang="de-CH" sz="2500" dirty="0">
                 <a:sym typeface="Wingdings" panose="05000000000000000000" pitchFamily="2" charset="2"/>
               </a:rPr>
               <a:t> Aktuelle Distanz auf unendlich setzen.</a:t>
             </a:r>
             <a:br>
-              <a:rPr lang="de-CH" dirty="0">
+              <a:rPr lang="de-CH" sz="2500" dirty="0">
                 <a:sym typeface="Wingdings" panose="05000000000000000000" pitchFamily="2" charset="2"/>
               </a:rPr>
             </a:br>
             <a:r>
-              <a:rPr lang="de-CH" dirty="0">
+              <a:rPr lang="de-CH" sz="2500" dirty="0">
                 <a:sym typeface="Wingdings" panose="05000000000000000000" pitchFamily="2" charset="2"/>
               </a:rPr>
               <a:t>	 Alle Knoten auf Unbesucht setzen</a:t>
@@ -7760,45 +7729,45 @@
           </a:p>
           <a:p>
             <a:r>
-              <a:rPr lang="de-CH" dirty="0">
+              <a:rPr lang="de-CH" sz="2500" dirty="0">
                 <a:sym typeface="Wingdings" panose="05000000000000000000" pitchFamily="2" charset="2"/>
               </a:rPr>
-              <a:t>Startknoten: Distanz auf 0 setzen. Vorgänger auf sich selber setzen.</a:t>
+              <a:t>- Startknoten: Distanz auf 0 setzen. Vorgänger auf sich selber setzen.</a:t>
             </a:r>
           </a:p>
           <a:p>
             <a:r>
-              <a:rPr lang="de-CH" dirty="0">
+              <a:rPr lang="de-CH" sz="2500" dirty="0">
                 <a:sym typeface="Wingdings" panose="05000000000000000000" pitchFamily="2" charset="2"/>
               </a:rPr>
-              <a:t>Wiederhohle bis alle Knoten besucht sind:</a:t>
+              <a:t>-Wiederhohle bis alle Knoten besucht sind:</a:t>
             </a:r>
           </a:p>
           <a:p>
             <a:pPr lvl="1"/>
             <a:r>
-              <a:rPr lang="de-CH" dirty="0">
+              <a:rPr lang="de-CH" sz="2500" dirty="0">
                 <a:sym typeface="Wingdings" panose="05000000000000000000" pitchFamily="2" charset="2"/>
               </a:rPr>
-              <a:t>Setze den unbesuchten Knoten mit der geringsten Distanz als aktuell und besucht.</a:t>
+              <a:t>	- Setze den unbesuchten Knoten mit der geringsten Distanz als aktuell und 		besucht.</a:t>
             </a:r>
           </a:p>
           <a:p>
             <a:pPr lvl="1"/>
             <a:r>
-              <a:rPr lang="de-CH" dirty="0">
+              <a:rPr lang="de-CH" sz="2500" dirty="0">
                 <a:sym typeface="Wingdings" panose="05000000000000000000" pitchFamily="2" charset="2"/>
               </a:rPr>
-              <a:t>Für alle seine unbesuchten Nachbaren, addiere die Eigene Distanz und das Kantengewicht zusammen.</a:t>
+              <a:t>	- Für alle seine unbesuchten Nachbaren, addiere die Eigene Distanz und das 	Kantengewicht zusammen.</a:t>
             </a:r>
           </a:p>
           <a:p>
             <a:pPr lvl="1"/>
             <a:r>
-              <a:rPr lang="de-CH" dirty="0">
+              <a:rPr lang="de-CH" sz="2500" dirty="0">
                 <a:sym typeface="Wingdings" panose="05000000000000000000" pitchFamily="2" charset="2"/>
               </a:rPr>
-              <a:t>Wenn das Ergebnis kleiner ist als die aktuell eingetragene Distanz vom jeweiligen Knoten, dann schreibe die neue Distanz mit dem Vorgänger in den Knoten.</a:t>
+              <a:t>	- Wenn das Ergebnis kleiner ist als die aktuell eingetragene Distanz vom 	jeweiligen Knoten, dann schreibe die neue Distanz mit dem Vorgänger in den 	Knoten.</a:t>
             </a:r>
           </a:p>
           <a:p>
